--- a/comparacao-objetos.pptx
+++ b/comparacao-objetos.pptx
@@ -9,6 +9,8 @@
     <p:sldId id="257" r:id="rId3"/>
     <p:sldId id="258" r:id="rId4"/>
     <p:sldId id="259" r:id="rId5"/>
+    <p:sldId id="260" r:id="rId6"/>
+    <p:sldId id="261" r:id="rId7"/>
   </p:sldIdLst>
   <p:sldSz cx="12192000" cy="6858000"/>
   <p:notesSz cx="6858000" cy="9144000"/>
@@ -7028,6 +7030,1302 @@
     <p:extLst>
       <p:ext uri="{BB962C8B-B14F-4D97-AF65-F5344CB8AC3E}">
         <p14:creationId xmlns:p14="http://schemas.microsoft.com/office/powerpoint/2010/main" val="893381065"/>
+      </p:ext>
+    </p:extLst>
+  </p:cSld>
+  <p:clrMapOvr>
+    <a:masterClrMapping/>
+  </p:clrMapOvr>
+</p:sld>
+</file>
+
+<file path=ppt/slides/slide5.xml><?xml version="1.0" encoding="utf-8"?>
+<p:sld xmlns:a="http://schemas.openxmlformats.org/drawingml/2006/main" xmlns:r="http://schemas.openxmlformats.org/officeDocument/2006/relationships" xmlns:p="http://schemas.openxmlformats.org/presentationml/2006/main">
+  <p:cSld>
+    <p:spTree>
+      <p:nvGrpSpPr>
+        <p:cNvPr id="1" name=""/>
+        <p:cNvGrpSpPr/>
+        <p:nvPr/>
+      </p:nvGrpSpPr>
+      <p:grpSpPr>
+        <a:xfrm>
+          <a:off x="0" y="0"/>
+          <a:ext cx="0" cy="0"/>
+          <a:chOff x="0" y="0"/>
+          <a:chExt cx="0" cy="0"/>
+        </a:xfrm>
+      </p:grpSpPr>
+      <p:sp>
+        <p:nvSpPr>
+          <p:cNvPr id="2" name="Título 1">
+            <a:extLst>
+              <a:ext uri="{FF2B5EF4-FFF2-40B4-BE49-F238E27FC236}">
+                <a16:creationId xmlns:a16="http://schemas.microsoft.com/office/drawing/2014/main" id="{9C5FA3D8-45B0-45AE-5503-23E3D3191777}"/>
+              </a:ext>
+            </a:extLst>
+          </p:cNvPr>
+          <p:cNvSpPr>
+            <a:spLocks noGrp="1"/>
+          </p:cNvSpPr>
+          <p:nvPr>
+            <p:ph type="ctrTitle"/>
+          </p:nvPr>
+        </p:nvSpPr>
+        <p:spPr/>
+        <p:txBody>
+          <a:bodyPr/>
+          <a:lstStyle/>
+          <a:p>
+            <a:r>
+              <a:rPr lang="pt-BR" dirty="0" err="1"/>
+              <a:t>Reference</a:t>
+            </a:r>
+            <a:r>
+              <a:rPr lang="pt-BR" dirty="0"/>
+              <a:t> </a:t>
+            </a:r>
+            <a:r>
+              <a:rPr lang="pt-BR" dirty="0" err="1"/>
+              <a:t>Types</a:t>
+            </a:r>
+            <a:endParaRPr lang="pt-BR" dirty="0"/>
+          </a:p>
+        </p:txBody>
+      </p:sp>
+      <p:sp>
+        <p:nvSpPr>
+          <p:cNvPr id="3" name="Subtítulo 2">
+            <a:extLst>
+              <a:ext uri="{FF2B5EF4-FFF2-40B4-BE49-F238E27FC236}">
+                <a16:creationId xmlns:a16="http://schemas.microsoft.com/office/drawing/2014/main" id="{F8E4F7CC-5FFC-6EC4-09C2-145E1398431E}"/>
+              </a:ext>
+            </a:extLst>
+          </p:cNvPr>
+          <p:cNvSpPr>
+            <a:spLocks noGrp="1"/>
+          </p:cNvSpPr>
+          <p:nvPr>
+            <p:ph type="subTitle" idx="1"/>
+          </p:nvPr>
+        </p:nvSpPr>
+        <p:spPr/>
+        <p:txBody>
+          <a:bodyPr/>
+          <a:lstStyle/>
+          <a:p>
+            <a:endParaRPr lang="pt-BR" dirty="0"/>
+          </a:p>
+        </p:txBody>
+      </p:sp>
+    </p:spTree>
+    <p:extLst>
+      <p:ext uri="{BB962C8B-B14F-4D97-AF65-F5344CB8AC3E}">
+        <p14:creationId xmlns:p14="http://schemas.microsoft.com/office/powerpoint/2010/main" val="670819551"/>
+      </p:ext>
+    </p:extLst>
+  </p:cSld>
+  <p:clrMapOvr>
+    <a:masterClrMapping/>
+  </p:clrMapOvr>
+</p:sld>
+</file>
+
+<file path=ppt/slides/slide6.xml><?xml version="1.0" encoding="utf-8"?>
+<p:sld xmlns:a="http://schemas.openxmlformats.org/drawingml/2006/main" xmlns:r="http://schemas.openxmlformats.org/officeDocument/2006/relationships" xmlns:p="http://schemas.openxmlformats.org/presentationml/2006/main">
+  <p:cSld>
+    <p:spTree>
+      <p:nvGrpSpPr>
+        <p:cNvPr id="1" name=""/>
+        <p:cNvGrpSpPr/>
+        <p:nvPr/>
+      </p:nvGrpSpPr>
+      <p:grpSpPr>
+        <a:xfrm>
+          <a:off x="0" y="0"/>
+          <a:ext cx="0" cy="0"/>
+          <a:chOff x="0" y="0"/>
+          <a:chExt cx="0" cy="0"/>
+        </a:xfrm>
+      </p:grpSpPr>
+      <p:sp>
+        <p:nvSpPr>
+          <p:cNvPr id="2" name="Título 1">
+            <a:extLst>
+              <a:ext uri="{FF2B5EF4-FFF2-40B4-BE49-F238E27FC236}">
+                <a16:creationId xmlns:a16="http://schemas.microsoft.com/office/drawing/2014/main" id="{D6E0BBB3-BB4A-F51B-230D-5EF241E2153B}"/>
+              </a:ext>
+            </a:extLst>
+          </p:cNvPr>
+          <p:cNvSpPr>
+            <a:spLocks noGrp="1"/>
+          </p:cNvSpPr>
+          <p:nvPr>
+            <p:ph type="title"/>
+          </p:nvPr>
+        </p:nvSpPr>
+        <p:spPr/>
+        <p:txBody>
+          <a:bodyPr/>
+          <a:lstStyle/>
+          <a:p>
+            <a:r>
+              <a:rPr lang="pt-BR" dirty="0" err="1"/>
+              <a:t>Value</a:t>
+            </a:r>
+            <a:r>
+              <a:rPr lang="pt-BR" dirty="0"/>
+              <a:t> </a:t>
+            </a:r>
+            <a:r>
+              <a:rPr lang="pt-BR" dirty="0" err="1"/>
+              <a:t>Types</a:t>
+            </a:r>
+            <a:endParaRPr lang="pt-BR" dirty="0"/>
+          </a:p>
+        </p:txBody>
+      </p:sp>
+      <p:sp>
+        <p:nvSpPr>
+          <p:cNvPr id="3" name="Espaço Reservado para Conteúdo 2">
+            <a:extLst>
+              <a:ext uri="{FF2B5EF4-FFF2-40B4-BE49-F238E27FC236}">
+                <a16:creationId xmlns:a16="http://schemas.microsoft.com/office/drawing/2014/main" id="{0876792A-9543-D508-47A3-EFFD9F2E9733}"/>
+              </a:ext>
+            </a:extLst>
+          </p:cNvPr>
+          <p:cNvSpPr>
+            <a:spLocks noGrp="1"/>
+          </p:cNvSpPr>
+          <p:nvPr>
+            <p:ph idx="1"/>
+          </p:nvPr>
+        </p:nvSpPr>
+        <p:spPr/>
+        <p:txBody>
+          <a:bodyPr/>
+          <a:lstStyle/>
+          <a:p>
+            <a:pPr marL="0" indent="0">
+              <a:buNone/>
+            </a:pPr>
+            <a:r>
+              <a:rPr lang="pt-BR" dirty="0" err="1"/>
+              <a:t>int</a:t>
+            </a:r>
+            <a:r>
+              <a:rPr lang="pt-BR" dirty="0"/>
+              <a:t> a = 2;</a:t>
+            </a:r>
+          </a:p>
+        </p:txBody>
+      </p:sp>
+      <p:sp>
+        <p:nvSpPr>
+          <p:cNvPr id="4" name="Retângulo 3">
+            <a:extLst>
+              <a:ext uri="{FF2B5EF4-FFF2-40B4-BE49-F238E27FC236}">
+                <a16:creationId xmlns:a16="http://schemas.microsoft.com/office/drawing/2014/main" id="{E005194D-9FA1-B19D-63ED-DD26148EC152}"/>
+              </a:ext>
+            </a:extLst>
+          </p:cNvPr>
+          <p:cNvSpPr/>
+          <p:nvPr/>
+        </p:nvSpPr>
+        <p:spPr>
+          <a:xfrm>
+            <a:off x="3221372" y="2971800"/>
+            <a:ext cx="914400" cy="914400"/>
+          </a:xfrm>
+          <a:prstGeom prst="rect">
+            <a:avLst/>
+          </a:prstGeom>
+          <a:solidFill>
+            <a:schemeClr val="accent6">
+              <a:lumMod val="60000"/>
+              <a:lumOff val="40000"/>
+            </a:schemeClr>
+          </a:solidFill>
+        </p:spPr>
+        <p:style>
+          <a:lnRef idx="2">
+            <a:schemeClr val="accent1">
+              <a:shade val="50000"/>
+            </a:schemeClr>
+          </a:lnRef>
+          <a:fillRef idx="1">
+            <a:schemeClr val="accent1"/>
+          </a:fillRef>
+          <a:effectRef idx="0">
+            <a:schemeClr val="accent1"/>
+          </a:effectRef>
+          <a:fontRef idx="minor">
+            <a:schemeClr val="lt1"/>
+          </a:fontRef>
+        </p:style>
+        <p:txBody>
+          <a:bodyPr rtlCol="0" anchor="ctr"/>
+          <a:lstStyle/>
+          <a:p>
+            <a:pPr algn="ctr"/>
+            <a:r>
+              <a:rPr lang="pt-BR" dirty="0">
+                <a:solidFill>
+                  <a:schemeClr val="tx1"/>
+                </a:solidFill>
+              </a:rPr>
+              <a:t>2</a:t>
+            </a:r>
+          </a:p>
+        </p:txBody>
+      </p:sp>
+      <p:sp>
+        <p:nvSpPr>
+          <p:cNvPr id="5" name="Retângulo 4">
+            <a:extLst>
+              <a:ext uri="{FF2B5EF4-FFF2-40B4-BE49-F238E27FC236}">
+                <a16:creationId xmlns:a16="http://schemas.microsoft.com/office/drawing/2014/main" id="{40CBD761-481C-7190-01DA-8F33F5149D11}"/>
+              </a:ext>
+            </a:extLst>
+          </p:cNvPr>
+          <p:cNvSpPr/>
+          <p:nvPr/>
+        </p:nvSpPr>
+        <p:spPr>
+          <a:xfrm>
+            <a:off x="4135772" y="2971800"/>
+            <a:ext cx="914400" cy="914400"/>
+          </a:xfrm>
+          <a:prstGeom prst="rect">
+            <a:avLst/>
+          </a:prstGeom>
+          <a:solidFill>
+            <a:schemeClr val="accent6">
+              <a:lumMod val="60000"/>
+              <a:lumOff val="40000"/>
+            </a:schemeClr>
+          </a:solidFill>
+        </p:spPr>
+        <p:style>
+          <a:lnRef idx="2">
+            <a:schemeClr val="accent1">
+              <a:shade val="50000"/>
+            </a:schemeClr>
+          </a:lnRef>
+          <a:fillRef idx="1">
+            <a:schemeClr val="accent1"/>
+          </a:fillRef>
+          <a:effectRef idx="0">
+            <a:schemeClr val="accent1"/>
+          </a:effectRef>
+          <a:fontRef idx="minor">
+            <a:schemeClr val="lt1"/>
+          </a:fontRef>
+        </p:style>
+        <p:txBody>
+          <a:bodyPr rtlCol="0" anchor="ctr"/>
+          <a:lstStyle/>
+          <a:p>
+            <a:pPr algn="ctr"/>
+            <a:endParaRPr lang="pt-BR">
+              <a:solidFill>
+                <a:schemeClr val="tx1"/>
+              </a:solidFill>
+            </a:endParaRPr>
+          </a:p>
+        </p:txBody>
+      </p:sp>
+      <p:sp>
+        <p:nvSpPr>
+          <p:cNvPr id="6" name="Retângulo 5">
+            <a:extLst>
+              <a:ext uri="{FF2B5EF4-FFF2-40B4-BE49-F238E27FC236}">
+                <a16:creationId xmlns:a16="http://schemas.microsoft.com/office/drawing/2014/main" id="{53506044-2EF2-B8DB-722A-65DA70F987C8}"/>
+              </a:ext>
+            </a:extLst>
+          </p:cNvPr>
+          <p:cNvSpPr/>
+          <p:nvPr/>
+        </p:nvSpPr>
+        <p:spPr>
+          <a:xfrm>
+            <a:off x="5050172" y="2971800"/>
+            <a:ext cx="914400" cy="914400"/>
+          </a:xfrm>
+          <a:prstGeom prst="rect">
+            <a:avLst/>
+          </a:prstGeom>
+          <a:solidFill>
+            <a:schemeClr val="accent6">
+              <a:lumMod val="60000"/>
+              <a:lumOff val="40000"/>
+            </a:schemeClr>
+          </a:solidFill>
+        </p:spPr>
+        <p:style>
+          <a:lnRef idx="2">
+            <a:schemeClr val="accent1">
+              <a:shade val="50000"/>
+            </a:schemeClr>
+          </a:lnRef>
+          <a:fillRef idx="1">
+            <a:schemeClr val="accent1"/>
+          </a:fillRef>
+          <a:effectRef idx="0">
+            <a:schemeClr val="accent1"/>
+          </a:effectRef>
+          <a:fontRef idx="minor">
+            <a:schemeClr val="lt1"/>
+          </a:fontRef>
+        </p:style>
+        <p:txBody>
+          <a:bodyPr rtlCol="0" anchor="ctr"/>
+          <a:lstStyle/>
+          <a:p>
+            <a:pPr algn="ctr"/>
+            <a:endParaRPr lang="pt-BR">
+              <a:solidFill>
+                <a:schemeClr val="tx1"/>
+              </a:solidFill>
+            </a:endParaRPr>
+          </a:p>
+        </p:txBody>
+      </p:sp>
+      <p:sp>
+        <p:nvSpPr>
+          <p:cNvPr id="7" name="Retângulo 6">
+            <a:extLst>
+              <a:ext uri="{FF2B5EF4-FFF2-40B4-BE49-F238E27FC236}">
+                <a16:creationId xmlns:a16="http://schemas.microsoft.com/office/drawing/2014/main" id="{74DAF09D-FF20-D862-9E77-AA9F817CE40B}"/>
+              </a:ext>
+            </a:extLst>
+          </p:cNvPr>
+          <p:cNvSpPr/>
+          <p:nvPr/>
+        </p:nvSpPr>
+        <p:spPr>
+          <a:xfrm>
+            <a:off x="5964572" y="2971800"/>
+            <a:ext cx="914400" cy="914400"/>
+          </a:xfrm>
+          <a:prstGeom prst="rect">
+            <a:avLst/>
+          </a:prstGeom>
+          <a:solidFill>
+            <a:schemeClr val="accent6">
+              <a:lumMod val="60000"/>
+              <a:lumOff val="40000"/>
+            </a:schemeClr>
+          </a:solidFill>
+        </p:spPr>
+        <p:style>
+          <a:lnRef idx="2">
+            <a:schemeClr val="accent1">
+              <a:shade val="50000"/>
+            </a:schemeClr>
+          </a:lnRef>
+          <a:fillRef idx="1">
+            <a:schemeClr val="accent1"/>
+          </a:fillRef>
+          <a:effectRef idx="0">
+            <a:schemeClr val="accent1"/>
+          </a:effectRef>
+          <a:fontRef idx="minor">
+            <a:schemeClr val="lt1"/>
+          </a:fontRef>
+        </p:style>
+        <p:txBody>
+          <a:bodyPr rtlCol="0" anchor="ctr"/>
+          <a:lstStyle/>
+          <a:p>
+            <a:pPr algn="ctr"/>
+            <a:endParaRPr lang="pt-BR">
+              <a:solidFill>
+                <a:schemeClr val="tx1"/>
+              </a:solidFill>
+            </a:endParaRPr>
+          </a:p>
+        </p:txBody>
+      </p:sp>
+      <p:sp>
+        <p:nvSpPr>
+          <p:cNvPr id="8" name="Retângulo 7">
+            <a:extLst>
+              <a:ext uri="{FF2B5EF4-FFF2-40B4-BE49-F238E27FC236}">
+                <a16:creationId xmlns:a16="http://schemas.microsoft.com/office/drawing/2014/main" id="{F7B9DA1A-9291-5999-3A77-175E61601589}"/>
+              </a:ext>
+            </a:extLst>
+          </p:cNvPr>
+          <p:cNvSpPr/>
+          <p:nvPr/>
+        </p:nvSpPr>
+        <p:spPr>
+          <a:xfrm>
+            <a:off x="6878972" y="2971800"/>
+            <a:ext cx="914400" cy="914400"/>
+          </a:xfrm>
+          <a:prstGeom prst="rect">
+            <a:avLst/>
+          </a:prstGeom>
+          <a:solidFill>
+            <a:schemeClr val="accent6">
+              <a:lumMod val="60000"/>
+              <a:lumOff val="40000"/>
+            </a:schemeClr>
+          </a:solidFill>
+        </p:spPr>
+        <p:style>
+          <a:lnRef idx="2">
+            <a:schemeClr val="accent1">
+              <a:shade val="50000"/>
+            </a:schemeClr>
+          </a:lnRef>
+          <a:fillRef idx="1">
+            <a:schemeClr val="accent1"/>
+          </a:fillRef>
+          <a:effectRef idx="0">
+            <a:schemeClr val="accent1"/>
+          </a:effectRef>
+          <a:fontRef idx="minor">
+            <a:schemeClr val="lt1"/>
+          </a:fontRef>
+        </p:style>
+        <p:txBody>
+          <a:bodyPr rtlCol="0" anchor="ctr"/>
+          <a:lstStyle/>
+          <a:p>
+            <a:pPr algn="ctr"/>
+            <a:endParaRPr lang="pt-BR">
+              <a:solidFill>
+                <a:schemeClr val="tx1"/>
+              </a:solidFill>
+            </a:endParaRPr>
+          </a:p>
+        </p:txBody>
+      </p:sp>
+      <p:sp>
+        <p:nvSpPr>
+          <p:cNvPr id="9" name="Retângulo 8">
+            <a:extLst>
+              <a:ext uri="{FF2B5EF4-FFF2-40B4-BE49-F238E27FC236}">
+                <a16:creationId xmlns:a16="http://schemas.microsoft.com/office/drawing/2014/main" id="{D17731E0-21ED-6AFB-D826-3E83B297C8EA}"/>
+              </a:ext>
+            </a:extLst>
+          </p:cNvPr>
+          <p:cNvSpPr/>
+          <p:nvPr/>
+        </p:nvSpPr>
+        <p:spPr>
+          <a:xfrm>
+            <a:off x="7793372" y="2971800"/>
+            <a:ext cx="914400" cy="914400"/>
+          </a:xfrm>
+          <a:prstGeom prst="rect">
+            <a:avLst/>
+          </a:prstGeom>
+          <a:solidFill>
+            <a:schemeClr val="accent6">
+              <a:lumMod val="60000"/>
+              <a:lumOff val="40000"/>
+            </a:schemeClr>
+          </a:solidFill>
+        </p:spPr>
+        <p:style>
+          <a:lnRef idx="2">
+            <a:schemeClr val="accent1">
+              <a:shade val="50000"/>
+            </a:schemeClr>
+          </a:lnRef>
+          <a:fillRef idx="1">
+            <a:schemeClr val="accent1"/>
+          </a:fillRef>
+          <a:effectRef idx="0">
+            <a:schemeClr val="accent1"/>
+          </a:effectRef>
+          <a:fontRef idx="minor">
+            <a:schemeClr val="lt1"/>
+          </a:fontRef>
+        </p:style>
+        <p:txBody>
+          <a:bodyPr rtlCol="0" anchor="ctr"/>
+          <a:lstStyle/>
+          <a:p>
+            <a:pPr algn="ctr"/>
+            <a:endParaRPr lang="pt-BR">
+              <a:solidFill>
+                <a:schemeClr val="tx1"/>
+              </a:solidFill>
+            </a:endParaRPr>
+          </a:p>
+        </p:txBody>
+      </p:sp>
+      <p:sp>
+        <p:nvSpPr>
+          <p:cNvPr id="10" name="Retângulo 9">
+            <a:extLst>
+              <a:ext uri="{FF2B5EF4-FFF2-40B4-BE49-F238E27FC236}">
+                <a16:creationId xmlns:a16="http://schemas.microsoft.com/office/drawing/2014/main" id="{FD438AE4-AB34-BE85-ED83-CD124D97430E}"/>
+              </a:ext>
+            </a:extLst>
+          </p:cNvPr>
+          <p:cNvSpPr/>
+          <p:nvPr/>
+        </p:nvSpPr>
+        <p:spPr>
+          <a:xfrm>
+            <a:off x="3221372" y="3889566"/>
+            <a:ext cx="914400" cy="251230"/>
+          </a:xfrm>
+          <a:prstGeom prst="rect">
+            <a:avLst/>
+          </a:prstGeom>
+          <a:solidFill>
+            <a:schemeClr val="accent6">
+              <a:lumMod val="60000"/>
+              <a:lumOff val="40000"/>
+            </a:schemeClr>
+          </a:solidFill>
+        </p:spPr>
+        <p:style>
+          <a:lnRef idx="2">
+            <a:schemeClr val="accent1">
+              <a:shade val="50000"/>
+            </a:schemeClr>
+          </a:lnRef>
+          <a:fillRef idx="1">
+            <a:schemeClr val="accent1"/>
+          </a:fillRef>
+          <a:effectRef idx="0">
+            <a:schemeClr val="accent1"/>
+          </a:effectRef>
+          <a:fontRef idx="minor">
+            <a:schemeClr val="lt1"/>
+          </a:fontRef>
+        </p:style>
+        <p:txBody>
+          <a:bodyPr rtlCol="0" anchor="ctr"/>
+          <a:lstStyle/>
+          <a:p>
+            <a:pPr algn="ctr"/>
+            <a:r>
+              <a:rPr lang="pt-BR" dirty="0">
+                <a:solidFill>
+                  <a:schemeClr val="tx1"/>
+                </a:solidFill>
+              </a:rPr>
+              <a:t>0x01</a:t>
+            </a:r>
+          </a:p>
+        </p:txBody>
+      </p:sp>
+      <p:sp>
+        <p:nvSpPr>
+          <p:cNvPr id="11" name="Retângulo 10">
+            <a:extLst>
+              <a:ext uri="{FF2B5EF4-FFF2-40B4-BE49-F238E27FC236}">
+                <a16:creationId xmlns:a16="http://schemas.microsoft.com/office/drawing/2014/main" id="{AD699E11-A4B1-4528-713D-BFC93B56BB9C}"/>
+              </a:ext>
+            </a:extLst>
+          </p:cNvPr>
+          <p:cNvSpPr/>
+          <p:nvPr/>
+        </p:nvSpPr>
+        <p:spPr>
+          <a:xfrm>
+            <a:off x="4135772" y="3889566"/>
+            <a:ext cx="914400" cy="251230"/>
+          </a:xfrm>
+          <a:prstGeom prst="rect">
+            <a:avLst/>
+          </a:prstGeom>
+          <a:solidFill>
+            <a:schemeClr val="accent6">
+              <a:lumMod val="60000"/>
+              <a:lumOff val="40000"/>
+            </a:schemeClr>
+          </a:solidFill>
+        </p:spPr>
+        <p:style>
+          <a:lnRef idx="2">
+            <a:schemeClr val="accent1">
+              <a:shade val="50000"/>
+            </a:schemeClr>
+          </a:lnRef>
+          <a:fillRef idx="1">
+            <a:schemeClr val="accent1"/>
+          </a:fillRef>
+          <a:effectRef idx="0">
+            <a:schemeClr val="accent1"/>
+          </a:effectRef>
+          <a:fontRef idx="minor">
+            <a:schemeClr val="lt1"/>
+          </a:fontRef>
+        </p:style>
+        <p:txBody>
+          <a:bodyPr rtlCol="0" anchor="ctr"/>
+          <a:lstStyle/>
+          <a:p>
+            <a:pPr algn="ctr"/>
+            <a:r>
+              <a:rPr lang="pt-BR" dirty="0">
+                <a:solidFill>
+                  <a:schemeClr val="tx1"/>
+                </a:solidFill>
+              </a:rPr>
+              <a:t>0x02</a:t>
+            </a:r>
+          </a:p>
+        </p:txBody>
+      </p:sp>
+      <p:sp>
+        <p:nvSpPr>
+          <p:cNvPr id="12" name="Retângulo 11">
+            <a:extLst>
+              <a:ext uri="{FF2B5EF4-FFF2-40B4-BE49-F238E27FC236}">
+                <a16:creationId xmlns:a16="http://schemas.microsoft.com/office/drawing/2014/main" id="{D2DFF7AD-8DB6-FDF7-DAD4-22C97FADCAE8}"/>
+              </a:ext>
+            </a:extLst>
+          </p:cNvPr>
+          <p:cNvSpPr/>
+          <p:nvPr/>
+        </p:nvSpPr>
+        <p:spPr>
+          <a:xfrm>
+            <a:off x="5050172" y="3889566"/>
+            <a:ext cx="914400" cy="251230"/>
+          </a:xfrm>
+          <a:prstGeom prst="rect">
+            <a:avLst/>
+          </a:prstGeom>
+          <a:solidFill>
+            <a:schemeClr val="accent6">
+              <a:lumMod val="60000"/>
+              <a:lumOff val="40000"/>
+            </a:schemeClr>
+          </a:solidFill>
+        </p:spPr>
+        <p:style>
+          <a:lnRef idx="2">
+            <a:schemeClr val="accent1">
+              <a:shade val="50000"/>
+            </a:schemeClr>
+          </a:lnRef>
+          <a:fillRef idx="1">
+            <a:schemeClr val="accent1"/>
+          </a:fillRef>
+          <a:effectRef idx="0">
+            <a:schemeClr val="accent1"/>
+          </a:effectRef>
+          <a:fontRef idx="minor">
+            <a:schemeClr val="lt1"/>
+          </a:fontRef>
+        </p:style>
+        <p:txBody>
+          <a:bodyPr rtlCol="0" anchor="ctr"/>
+          <a:lstStyle/>
+          <a:p>
+            <a:pPr algn="ctr"/>
+            <a:r>
+              <a:rPr lang="pt-BR" dirty="0">
+                <a:solidFill>
+                  <a:schemeClr val="tx1"/>
+                </a:solidFill>
+              </a:rPr>
+              <a:t>0x03</a:t>
+            </a:r>
+          </a:p>
+        </p:txBody>
+      </p:sp>
+      <p:sp>
+        <p:nvSpPr>
+          <p:cNvPr id="13" name="Retângulo 12">
+            <a:extLst>
+              <a:ext uri="{FF2B5EF4-FFF2-40B4-BE49-F238E27FC236}">
+                <a16:creationId xmlns:a16="http://schemas.microsoft.com/office/drawing/2014/main" id="{3D370D60-AA6B-512B-08E6-C79278BC1E18}"/>
+              </a:ext>
+            </a:extLst>
+          </p:cNvPr>
+          <p:cNvSpPr/>
+          <p:nvPr/>
+        </p:nvSpPr>
+        <p:spPr>
+          <a:xfrm>
+            <a:off x="5964572" y="3889566"/>
+            <a:ext cx="914400" cy="251230"/>
+          </a:xfrm>
+          <a:prstGeom prst="rect">
+            <a:avLst/>
+          </a:prstGeom>
+          <a:solidFill>
+            <a:schemeClr val="accent6">
+              <a:lumMod val="60000"/>
+              <a:lumOff val="40000"/>
+            </a:schemeClr>
+          </a:solidFill>
+        </p:spPr>
+        <p:style>
+          <a:lnRef idx="2">
+            <a:schemeClr val="accent1">
+              <a:shade val="50000"/>
+            </a:schemeClr>
+          </a:lnRef>
+          <a:fillRef idx="1">
+            <a:schemeClr val="accent1"/>
+          </a:fillRef>
+          <a:effectRef idx="0">
+            <a:schemeClr val="accent1"/>
+          </a:effectRef>
+          <a:fontRef idx="minor">
+            <a:schemeClr val="lt1"/>
+          </a:fontRef>
+        </p:style>
+        <p:txBody>
+          <a:bodyPr rtlCol="0" anchor="ctr"/>
+          <a:lstStyle/>
+          <a:p>
+            <a:pPr algn="ctr"/>
+            <a:r>
+              <a:rPr lang="pt-BR" dirty="0">
+                <a:solidFill>
+                  <a:schemeClr val="tx1"/>
+                </a:solidFill>
+              </a:rPr>
+              <a:t>0x04</a:t>
+            </a:r>
+          </a:p>
+        </p:txBody>
+      </p:sp>
+      <p:sp>
+        <p:nvSpPr>
+          <p:cNvPr id="14" name="Retângulo 13">
+            <a:extLst>
+              <a:ext uri="{FF2B5EF4-FFF2-40B4-BE49-F238E27FC236}">
+                <a16:creationId xmlns:a16="http://schemas.microsoft.com/office/drawing/2014/main" id="{C4A32081-6EE6-EDB6-2DD7-73A72C2B1C90}"/>
+              </a:ext>
+            </a:extLst>
+          </p:cNvPr>
+          <p:cNvSpPr/>
+          <p:nvPr/>
+        </p:nvSpPr>
+        <p:spPr>
+          <a:xfrm>
+            <a:off x="6878972" y="3889566"/>
+            <a:ext cx="914400" cy="251230"/>
+          </a:xfrm>
+          <a:prstGeom prst="rect">
+            <a:avLst/>
+          </a:prstGeom>
+          <a:solidFill>
+            <a:schemeClr val="accent6">
+              <a:lumMod val="60000"/>
+              <a:lumOff val="40000"/>
+            </a:schemeClr>
+          </a:solidFill>
+        </p:spPr>
+        <p:style>
+          <a:lnRef idx="2">
+            <a:schemeClr val="accent1">
+              <a:shade val="50000"/>
+            </a:schemeClr>
+          </a:lnRef>
+          <a:fillRef idx="1">
+            <a:schemeClr val="accent1"/>
+          </a:fillRef>
+          <a:effectRef idx="0">
+            <a:schemeClr val="accent1"/>
+          </a:effectRef>
+          <a:fontRef idx="minor">
+            <a:schemeClr val="lt1"/>
+          </a:fontRef>
+        </p:style>
+        <p:txBody>
+          <a:bodyPr rtlCol="0" anchor="ctr"/>
+          <a:lstStyle/>
+          <a:p>
+            <a:pPr algn="ctr"/>
+            <a:r>
+              <a:rPr lang="pt-BR" dirty="0">
+                <a:solidFill>
+                  <a:schemeClr val="tx1"/>
+                </a:solidFill>
+              </a:rPr>
+              <a:t>0x05</a:t>
+            </a:r>
+          </a:p>
+        </p:txBody>
+      </p:sp>
+      <p:sp>
+        <p:nvSpPr>
+          <p:cNvPr id="15" name="Retângulo 14">
+            <a:extLst>
+              <a:ext uri="{FF2B5EF4-FFF2-40B4-BE49-F238E27FC236}">
+                <a16:creationId xmlns:a16="http://schemas.microsoft.com/office/drawing/2014/main" id="{AC748BED-DC6E-138E-E202-3762DC8CB0E9}"/>
+              </a:ext>
+            </a:extLst>
+          </p:cNvPr>
+          <p:cNvSpPr/>
+          <p:nvPr/>
+        </p:nvSpPr>
+        <p:spPr>
+          <a:xfrm>
+            <a:off x="7793372" y="3889566"/>
+            <a:ext cx="914400" cy="251230"/>
+          </a:xfrm>
+          <a:prstGeom prst="rect">
+            <a:avLst/>
+          </a:prstGeom>
+          <a:solidFill>
+            <a:schemeClr val="accent6">
+              <a:lumMod val="60000"/>
+              <a:lumOff val="40000"/>
+            </a:schemeClr>
+          </a:solidFill>
+        </p:spPr>
+        <p:style>
+          <a:lnRef idx="2">
+            <a:schemeClr val="accent1">
+              <a:shade val="50000"/>
+            </a:schemeClr>
+          </a:lnRef>
+          <a:fillRef idx="1">
+            <a:schemeClr val="accent1"/>
+          </a:fillRef>
+          <a:effectRef idx="0">
+            <a:schemeClr val="accent1"/>
+          </a:effectRef>
+          <a:fontRef idx="minor">
+            <a:schemeClr val="lt1"/>
+          </a:fontRef>
+        </p:style>
+        <p:txBody>
+          <a:bodyPr rtlCol="0" anchor="ctr"/>
+          <a:lstStyle/>
+          <a:p>
+            <a:pPr algn="ctr"/>
+            <a:r>
+              <a:rPr lang="pt-BR" dirty="0">
+                <a:solidFill>
+                  <a:schemeClr val="tx1"/>
+                </a:solidFill>
+              </a:rPr>
+              <a:t>0x06</a:t>
+            </a:r>
+          </a:p>
+        </p:txBody>
+      </p:sp>
+      <p:sp>
+        <p:nvSpPr>
+          <p:cNvPr id="16" name="Retângulo 15">
+            <a:extLst>
+              <a:ext uri="{FF2B5EF4-FFF2-40B4-BE49-F238E27FC236}">
+                <a16:creationId xmlns:a16="http://schemas.microsoft.com/office/drawing/2014/main" id="{600E6797-A782-661D-1307-62D098D349EC}"/>
+              </a:ext>
+            </a:extLst>
+          </p:cNvPr>
+          <p:cNvSpPr/>
+          <p:nvPr/>
+        </p:nvSpPr>
+        <p:spPr>
+          <a:xfrm>
+            <a:off x="3221372" y="2708815"/>
+            <a:ext cx="914400" cy="251230"/>
+          </a:xfrm>
+          <a:prstGeom prst="rect">
+            <a:avLst/>
+          </a:prstGeom>
+          <a:solidFill>
+            <a:schemeClr val="accent6">
+              <a:lumMod val="60000"/>
+              <a:lumOff val="40000"/>
+            </a:schemeClr>
+          </a:solidFill>
+        </p:spPr>
+        <p:style>
+          <a:lnRef idx="2">
+            <a:schemeClr val="accent1">
+              <a:shade val="50000"/>
+            </a:schemeClr>
+          </a:lnRef>
+          <a:fillRef idx="1">
+            <a:schemeClr val="accent1"/>
+          </a:fillRef>
+          <a:effectRef idx="0">
+            <a:schemeClr val="accent1"/>
+          </a:effectRef>
+          <a:fontRef idx="minor">
+            <a:schemeClr val="lt1"/>
+          </a:fontRef>
+        </p:style>
+        <p:txBody>
+          <a:bodyPr rtlCol="0" anchor="ctr"/>
+          <a:lstStyle/>
+          <a:p>
+            <a:pPr algn="ctr"/>
+            <a:r>
+              <a:rPr lang="pt-BR" dirty="0">
+                <a:solidFill>
+                  <a:schemeClr val="tx1"/>
+                </a:solidFill>
+              </a:rPr>
+              <a:t>a</a:t>
+            </a:r>
+          </a:p>
+        </p:txBody>
+      </p:sp>
+      <p:sp>
+        <p:nvSpPr>
+          <p:cNvPr id="17" name="Retângulo 16">
+            <a:extLst>
+              <a:ext uri="{FF2B5EF4-FFF2-40B4-BE49-F238E27FC236}">
+                <a16:creationId xmlns:a16="http://schemas.microsoft.com/office/drawing/2014/main" id="{FB2311C8-1799-E290-E09A-71D6324F77EE}"/>
+              </a:ext>
+            </a:extLst>
+          </p:cNvPr>
+          <p:cNvSpPr/>
+          <p:nvPr/>
+        </p:nvSpPr>
+        <p:spPr>
+          <a:xfrm>
+            <a:off x="4135772" y="2708815"/>
+            <a:ext cx="914400" cy="251230"/>
+          </a:xfrm>
+          <a:prstGeom prst="rect">
+            <a:avLst/>
+          </a:prstGeom>
+          <a:solidFill>
+            <a:schemeClr val="accent6">
+              <a:lumMod val="60000"/>
+              <a:lumOff val="40000"/>
+            </a:schemeClr>
+          </a:solidFill>
+        </p:spPr>
+        <p:style>
+          <a:lnRef idx="2">
+            <a:schemeClr val="accent1">
+              <a:shade val="50000"/>
+            </a:schemeClr>
+          </a:lnRef>
+          <a:fillRef idx="1">
+            <a:schemeClr val="accent1"/>
+          </a:fillRef>
+          <a:effectRef idx="0">
+            <a:schemeClr val="accent1"/>
+          </a:effectRef>
+          <a:fontRef idx="minor">
+            <a:schemeClr val="lt1"/>
+          </a:fontRef>
+        </p:style>
+        <p:txBody>
+          <a:bodyPr rtlCol="0" anchor="ctr"/>
+          <a:lstStyle/>
+          <a:p>
+            <a:pPr algn="ctr"/>
+            <a:endParaRPr lang="pt-BR">
+              <a:solidFill>
+                <a:schemeClr val="tx1"/>
+              </a:solidFill>
+            </a:endParaRPr>
+          </a:p>
+        </p:txBody>
+      </p:sp>
+      <p:sp>
+        <p:nvSpPr>
+          <p:cNvPr id="18" name="Retângulo 17">
+            <a:extLst>
+              <a:ext uri="{FF2B5EF4-FFF2-40B4-BE49-F238E27FC236}">
+                <a16:creationId xmlns:a16="http://schemas.microsoft.com/office/drawing/2014/main" id="{75F2AC03-2577-F17E-12EF-001E806DCDFD}"/>
+              </a:ext>
+            </a:extLst>
+          </p:cNvPr>
+          <p:cNvSpPr/>
+          <p:nvPr/>
+        </p:nvSpPr>
+        <p:spPr>
+          <a:xfrm>
+            <a:off x="5050172" y="2708815"/>
+            <a:ext cx="914400" cy="251230"/>
+          </a:xfrm>
+          <a:prstGeom prst="rect">
+            <a:avLst/>
+          </a:prstGeom>
+          <a:solidFill>
+            <a:schemeClr val="accent6">
+              <a:lumMod val="60000"/>
+              <a:lumOff val="40000"/>
+            </a:schemeClr>
+          </a:solidFill>
+        </p:spPr>
+        <p:style>
+          <a:lnRef idx="2">
+            <a:schemeClr val="accent1">
+              <a:shade val="50000"/>
+            </a:schemeClr>
+          </a:lnRef>
+          <a:fillRef idx="1">
+            <a:schemeClr val="accent1"/>
+          </a:fillRef>
+          <a:effectRef idx="0">
+            <a:schemeClr val="accent1"/>
+          </a:effectRef>
+          <a:fontRef idx="minor">
+            <a:schemeClr val="lt1"/>
+          </a:fontRef>
+        </p:style>
+        <p:txBody>
+          <a:bodyPr rtlCol="0" anchor="ctr"/>
+          <a:lstStyle/>
+          <a:p>
+            <a:pPr algn="ctr"/>
+            <a:endParaRPr lang="pt-BR">
+              <a:solidFill>
+                <a:schemeClr val="tx1"/>
+              </a:solidFill>
+            </a:endParaRPr>
+          </a:p>
+        </p:txBody>
+      </p:sp>
+      <p:sp>
+        <p:nvSpPr>
+          <p:cNvPr id="19" name="Retângulo 18">
+            <a:extLst>
+              <a:ext uri="{FF2B5EF4-FFF2-40B4-BE49-F238E27FC236}">
+                <a16:creationId xmlns:a16="http://schemas.microsoft.com/office/drawing/2014/main" id="{AC6A07E4-E648-2B74-B30E-CF01C2AE520B}"/>
+              </a:ext>
+            </a:extLst>
+          </p:cNvPr>
+          <p:cNvSpPr/>
+          <p:nvPr/>
+        </p:nvSpPr>
+        <p:spPr>
+          <a:xfrm>
+            <a:off x="5964572" y="2708815"/>
+            <a:ext cx="914400" cy="251230"/>
+          </a:xfrm>
+          <a:prstGeom prst="rect">
+            <a:avLst/>
+          </a:prstGeom>
+          <a:solidFill>
+            <a:schemeClr val="accent6">
+              <a:lumMod val="60000"/>
+              <a:lumOff val="40000"/>
+            </a:schemeClr>
+          </a:solidFill>
+        </p:spPr>
+        <p:style>
+          <a:lnRef idx="2">
+            <a:schemeClr val="accent1">
+              <a:shade val="50000"/>
+            </a:schemeClr>
+          </a:lnRef>
+          <a:fillRef idx="1">
+            <a:schemeClr val="accent1"/>
+          </a:fillRef>
+          <a:effectRef idx="0">
+            <a:schemeClr val="accent1"/>
+          </a:effectRef>
+          <a:fontRef idx="minor">
+            <a:schemeClr val="lt1"/>
+          </a:fontRef>
+        </p:style>
+        <p:txBody>
+          <a:bodyPr rtlCol="0" anchor="ctr"/>
+          <a:lstStyle/>
+          <a:p>
+            <a:pPr algn="ctr"/>
+            <a:endParaRPr lang="pt-BR">
+              <a:solidFill>
+                <a:schemeClr val="tx1"/>
+              </a:solidFill>
+            </a:endParaRPr>
+          </a:p>
+        </p:txBody>
+      </p:sp>
+      <p:sp>
+        <p:nvSpPr>
+          <p:cNvPr id="20" name="Retângulo 19">
+            <a:extLst>
+              <a:ext uri="{FF2B5EF4-FFF2-40B4-BE49-F238E27FC236}">
+                <a16:creationId xmlns:a16="http://schemas.microsoft.com/office/drawing/2014/main" id="{F493108F-B862-0966-B550-10A1A46CC8C4}"/>
+              </a:ext>
+            </a:extLst>
+          </p:cNvPr>
+          <p:cNvSpPr/>
+          <p:nvPr/>
+        </p:nvSpPr>
+        <p:spPr>
+          <a:xfrm>
+            <a:off x="6878972" y="2708815"/>
+            <a:ext cx="914400" cy="251230"/>
+          </a:xfrm>
+          <a:prstGeom prst="rect">
+            <a:avLst/>
+          </a:prstGeom>
+          <a:solidFill>
+            <a:schemeClr val="accent6">
+              <a:lumMod val="60000"/>
+              <a:lumOff val="40000"/>
+            </a:schemeClr>
+          </a:solidFill>
+        </p:spPr>
+        <p:style>
+          <a:lnRef idx="2">
+            <a:schemeClr val="accent1">
+              <a:shade val="50000"/>
+            </a:schemeClr>
+          </a:lnRef>
+          <a:fillRef idx="1">
+            <a:schemeClr val="accent1"/>
+          </a:fillRef>
+          <a:effectRef idx="0">
+            <a:schemeClr val="accent1"/>
+          </a:effectRef>
+          <a:fontRef idx="minor">
+            <a:schemeClr val="lt1"/>
+          </a:fontRef>
+        </p:style>
+        <p:txBody>
+          <a:bodyPr rtlCol="0" anchor="ctr"/>
+          <a:lstStyle/>
+          <a:p>
+            <a:pPr algn="ctr"/>
+            <a:endParaRPr lang="pt-BR">
+              <a:solidFill>
+                <a:schemeClr val="tx1"/>
+              </a:solidFill>
+            </a:endParaRPr>
+          </a:p>
+        </p:txBody>
+      </p:sp>
+      <p:sp>
+        <p:nvSpPr>
+          <p:cNvPr id="21" name="Retângulo 20">
+            <a:extLst>
+              <a:ext uri="{FF2B5EF4-FFF2-40B4-BE49-F238E27FC236}">
+                <a16:creationId xmlns:a16="http://schemas.microsoft.com/office/drawing/2014/main" id="{EC35BDB2-D1BA-3FA6-188B-EF28AD435ED8}"/>
+              </a:ext>
+            </a:extLst>
+          </p:cNvPr>
+          <p:cNvSpPr/>
+          <p:nvPr/>
+        </p:nvSpPr>
+        <p:spPr>
+          <a:xfrm>
+            <a:off x="7793372" y="2708815"/>
+            <a:ext cx="914400" cy="251230"/>
+          </a:xfrm>
+          <a:prstGeom prst="rect">
+            <a:avLst/>
+          </a:prstGeom>
+          <a:solidFill>
+            <a:schemeClr val="accent6">
+              <a:lumMod val="60000"/>
+              <a:lumOff val="40000"/>
+            </a:schemeClr>
+          </a:solidFill>
+        </p:spPr>
+        <p:style>
+          <a:lnRef idx="2">
+            <a:schemeClr val="accent1">
+              <a:shade val="50000"/>
+            </a:schemeClr>
+          </a:lnRef>
+          <a:fillRef idx="1">
+            <a:schemeClr val="accent1"/>
+          </a:fillRef>
+          <a:effectRef idx="0">
+            <a:schemeClr val="accent1"/>
+          </a:effectRef>
+          <a:fontRef idx="minor">
+            <a:schemeClr val="lt1"/>
+          </a:fontRef>
+        </p:style>
+        <p:txBody>
+          <a:bodyPr rtlCol="0" anchor="ctr"/>
+          <a:lstStyle/>
+          <a:p>
+            <a:pPr algn="ctr"/>
+            <a:endParaRPr lang="pt-BR">
+              <a:solidFill>
+                <a:schemeClr val="tx1"/>
+              </a:solidFill>
+            </a:endParaRPr>
+          </a:p>
+        </p:txBody>
+      </p:sp>
+      <p:sp>
+        <p:nvSpPr>
+          <p:cNvPr id="22" name="CaixaDeTexto 21">
+            <a:extLst>
+              <a:ext uri="{FF2B5EF4-FFF2-40B4-BE49-F238E27FC236}">
+                <a16:creationId xmlns:a16="http://schemas.microsoft.com/office/drawing/2014/main" id="{AC2EA2A3-F41C-5C3B-2CAA-4EF39C94698F}"/>
+              </a:ext>
+            </a:extLst>
+          </p:cNvPr>
+          <p:cNvSpPr txBox="1"/>
+          <p:nvPr/>
+        </p:nvSpPr>
+        <p:spPr>
+          <a:xfrm>
+            <a:off x="3129093" y="2350334"/>
+            <a:ext cx="1098958" cy="369332"/>
+          </a:xfrm>
+          <a:prstGeom prst="rect">
+            <a:avLst/>
+          </a:prstGeom>
+          <a:noFill/>
+        </p:spPr>
+        <p:txBody>
+          <a:bodyPr wrap="square" rtlCol="0">
+            <a:spAutoFit/>
+          </a:bodyPr>
+          <a:lstStyle/>
+          <a:p>
+            <a:r>
+              <a:rPr lang="pt-BR" dirty="0"/>
+              <a:t>Memória:</a:t>
+            </a:r>
+          </a:p>
+        </p:txBody>
+      </p:sp>
+      <p:sp>
+        <p:nvSpPr>
+          <p:cNvPr id="23" name="CaixaDeTexto 22">
+            <a:extLst>
+              <a:ext uri="{FF2B5EF4-FFF2-40B4-BE49-F238E27FC236}">
+                <a16:creationId xmlns:a16="http://schemas.microsoft.com/office/drawing/2014/main" id="{3CB8608A-7F59-D486-17E6-F4421E69E85F}"/>
+              </a:ext>
+            </a:extLst>
+          </p:cNvPr>
+          <p:cNvSpPr txBox="1"/>
+          <p:nvPr/>
+        </p:nvSpPr>
+        <p:spPr>
+          <a:xfrm>
+            <a:off x="843092" y="3830515"/>
+            <a:ext cx="2646727" cy="369332"/>
+          </a:xfrm>
+          <a:prstGeom prst="rect">
+            <a:avLst/>
+          </a:prstGeom>
+          <a:noFill/>
+        </p:spPr>
+        <p:txBody>
+          <a:bodyPr wrap="square" rtlCol="0">
+            <a:spAutoFit/>
+          </a:bodyPr>
+          <a:lstStyle/>
+          <a:p>
+            <a:r>
+              <a:rPr lang="pt-BR" dirty="0"/>
+              <a:t>Endereços da memória:</a:t>
+            </a:r>
+          </a:p>
+        </p:txBody>
+      </p:sp>
+    </p:spTree>
+    <p:extLst>
+      <p:ext uri="{BB962C8B-B14F-4D97-AF65-F5344CB8AC3E}">
+        <p14:creationId xmlns:p14="http://schemas.microsoft.com/office/powerpoint/2010/main" val="3910295688"/>
       </p:ext>
     </p:extLst>
   </p:cSld>
